--- a/RutujaVetal_DotnetCoreAngularLeftShift_Profile.pptx
+++ b/RutujaVetal_DotnetCoreAngularLeftShift_Profile.pptx
@@ -18429,7 +18429,7 @@
           </a:lstStyle>
           <a:p>
             <a:r>
-              <a:rPr lang="nl-NL" altLang="nl-NL" dirty="0"/>
+              <a:rPr lang="nl-NL" altLang="nl-NL" sz="1200" dirty="0"/>
               <a:t>Banglore</a:t>
             </a:r>
           </a:p>
@@ -19576,6 +19576,12 @@
 </file>
 
 <file path=customXml/item2.xml><?xml version="1.0" encoding="utf-8"?>
+<p:properties xmlns:p="http://schemas.microsoft.com/office/2006/metadata/properties" xmlns:xsi="http://www.w3.org/2001/XMLSchema-instance" xmlns:pc="http://schemas.microsoft.com/office/infopath/2007/PartnerControls">
+  <documentManagement/>
+</p:properties>
+</file>
+
+<file path=customXml/item3.xml><?xml version="1.0" encoding="utf-8"?>
 <ct:contentTypeSchema xmlns:ct="http://schemas.microsoft.com/office/2006/metadata/contentType" xmlns:ma="http://schemas.microsoft.com/office/2006/metadata/properties/metaAttributes" ct:_="" ma:_="" ma:contentTypeName="Document" ma:contentTypeID="0x010100F75A248773DC9D48BF09FA863687EDD5" ma:contentTypeVersion="2" ma:contentTypeDescription="Create a new document." ma:contentTypeScope="" ma:versionID="42c1056a85c3fb3ade343eee025f50f6">
   <xsd:schema xmlns:xsd="http://www.w3.org/2001/XMLSchema" xmlns:xs="http://www.w3.org/2001/XMLSchema" xmlns:p="http://schemas.microsoft.com/office/2006/metadata/properties" xmlns:ns2="23e0b11b-d854-4e13-b2dc-268ff2d1feba" targetNamespace="http://schemas.microsoft.com/office/2006/metadata/properties" ma:root="true" ma:fieldsID="b7c70e4f06a8a228146d59eef8ff01f1" ns2:_="">
     <xsd:import namespace="23e0b11b-d854-4e13-b2dc-268ff2d1feba"/>
@@ -19707,12 +19713,6 @@
 </ct:contentTypeSchema>
 </file>
 
-<file path=customXml/item3.xml><?xml version="1.0" encoding="utf-8"?>
-<p:properties xmlns:p="http://schemas.microsoft.com/office/2006/metadata/properties" xmlns:xsi="http://www.w3.org/2001/XMLSchema-instance" xmlns:pc="http://schemas.microsoft.com/office/infopath/2007/PartnerControls">
-  <documentManagement/>
-</p:properties>
-</file>
-
 <file path=customXml/itemProps1.xml><?xml version="1.0" encoding="utf-8"?>
 <ds:datastoreItem xmlns:ds="http://schemas.openxmlformats.org/officeDocument/2006/customXml" ds:itemID="{1A39E320-2B27-4C87-B95E-B21DA5F0B414}">
   <ds:schemaRefs>
@@ -19722,6 +19722,15 @@
 </file>
 
 <file path=customXml/itemProps2.xml><?xml version="1.0" encoding="utf-8"?>
+<ds:datastoreItem xmlns:ds="http://schemas.openxmlformats.org/officeDocument/2006/customXml" ds:itemID="{9F3EBC60-3B5B-4E9D-B167-8001ADDCD941}">
+  <ds:schemaRefs>
+    <ds:schemaRef ds:uri="http://schemas.microsoft.com/office/2006/metadata/properties"/>
+    <ds:schemaRef ds:uri="http://schemas.microsoft.com/office/infopath/2007/PartnerControls"/>
+  </ds:schemaRefs>
+</ds:datastoreItem>
+</file>
+
+<file path=customXml/itemProps3.xml><?xml version="1.0" encoding="utf-8"?>
 <ds:datastoreItem xmlns:ds="http://schemas.openxmlformats.org/officeDocument/2006/customXml" ds:itemID="{E92BAF36-5C82-47B9-BB91-13727FEE9892}">
   <ds:schemaRefs>
     <ds:schemaRef ds:uri="http://schemas.microsoft.com/office/2006/metadata/contentType"/>
@@ -19737,13 +19746,4 @@
     <ds:schemaRef ds:uri="http://schemas.microsoft.com/internal/obd"/>
   </ds:schemaRefs>
 </ds:datastoreItem>
-</file>
-
-<file path=customXml/itemProps3.xml><?xml version="1.0" encoding="utf-8"?>
-<ds:datastoreItem xmlns:ds="http://schemas.openxmlformats.org/officeDocument/2006/customXml" ds:itemID="{9F3EBC60-3B5B-4E9D-B167-8001ADDCD941}">
-  <ds:schemaRefs>
-    <ds:schemaRef ds:uri="http://schemas.microsoft.com/office/2006/metadata/properties"/>
-    <ds:schemaRef ds:uri="http://schemas.microsoft.com/office/infopath/2007/PartnerControls"/>
-  </ds:schemaRefs>
-</ds:datastoreItem>
 </file>